--- a/ui/웹UI.pptx
+++ b/ui/웹UI.pptx
@@ -5,8 +5,8 @@
     <p:sldMasterId id="2147483648" r:id="rId1"/>
   </p:sldMasterIdLst>
   <p:sldIdLst>
-    <p:sldId id="262" r:id="rId2"/>
-    <p:sldId id="261" r:id="rId3"/>
+    <p:sldId id="261" r:id="rId2"/>
+    <p:sldId id="262" r:id="rId3"/>
     <p:sldId id="263" r:id="rId4"/>
     <p:sldId id="258" r:id="rId5"/>
     <p:sldId id="259" r:id="rId6"/>
@@ -265,7 +265,7 @@
           <a:p>
             <a:fld id="{4E3C4049-45E8-4441-8ED7-FCB8F4466432}" type="datetimeFigureOut">
               <a:rPr lang="ko-KR" altLang="en-US" smtClean="0"/>
-              <a:t>2020-03-24</a:t>
+              <a:t>2020-03-27</a:t>
             </a:fld>
             <a:endParaRPr lang="ko-KR" altLang="en-US"/>
           </a:p>
@@ -463,7 +463,7 @@
           <a:p>
             <a:fld id="{4E3C4049-45E8-4441-8ED7-FCB8F4466432}" type="datetimeFigureOut">
               <a:rPr lang="ko-KR" altLang="en-US" smtClean="0"/>
-              <a:t>2020-03-24</a:t>
+              <a:t>2020-03-27</a:t>
             </a:fld>
             <a:endParaRPr lang="ko-KR" altLang="en-US"/>
           </a:p>
@@ -671,7 +671,7 @@
           <a:p>
             <a:fld id="{4E3C4049-45E8-4441-8ED7-FCB8F4466432}" type="datetimeFigureOut">
               <a:rPr lang="ko-KR" altLang="en-US" smtClean="0"/>
-              <a:t>2020-03-24</a:t>
+              <a:t>2020-03-27</a:t>
             </a:fld>
             <a:endParaRPr lang="ko-KR" altLang="en-US"/>
           </a:p>
@@ -869,7 +869,7 @@
           <a:p>
             <a:fld id="{4E3C4049-45E8-4441-8ED7-FCB8F4466432}" type="datetimeFigureOut">
               <a:rPr lang="ko-KR" altLang="en-US" smtClean="0"/>
-              <a:t>2020-03-24</a:t>
+              <a:t>2020-03-27</a:t>
             </a:fld>
             <a:endParaRPr lang="ko-KR" altLang="en-US"/>
           </a:p>
@@ -1144,7 +1144,7 @@
           <a:p>
             <a:fld id="{4E3C4049-45E8-4441-8ED7-FCB8F4466432}" type="datetimeFigureOut">
               <a:rPr lang="ko-KR" altLang="en-US" smtClean="0"/>
-              <a:t>2020-03-24</a:t>
+              <a:t>2020-03-27</a:t>
             </a:fld>
             <a:endParaRPr lang="ko-KR" altLang="en-US"/>
           </a:p>
@@ -1409,7 +1409,7 @@
           <a:p>
             <a:fld id="{4E3C4049-45E8-4441-8ED7-FCB8F4466432}" type="datetimeFigureOut">
               <a:rPr lang="ko-KR" altLang="en-US" smtClean="0"/>
-              <a:t>2020-03-24</a:t>
+              <a:t>2020-03-27</a:t>
             </a:fld>
             <a:endParaRPr lang="ko-KR" altLang="en-US"/>
           </a:p>
@@ -1821,7 +1821,7 @@
           <a:p>
             <a:fld id="{4E3C4049-45E8-4441-8ED7-FCB8F4466432}" type="datetimeFigureOut">
               <a:rPr lang="ko-KR" altLang="en-US" smtClean="0"/>
-              <a:t>2020-03-24</a:t>
+              <a:t>2020-03-27</a:t>
             </a:fld>
             <a:endParaRPr lang="ko-KR" altLang="en-US"/>
           </a:p>
@@ -1962,7 +1962,7 @@
           <a:p>
             <a:fld id="{4E3C4049-45E8-4441-8ED7-FCB8F4466432}" type="datetimeFigureOut">
               <a:rPr lang="ko-KR" altLang="en-US" smtClean="0"/>
-              <a:t>2020-03-24</a:t>
+              <a:t>2020-03-27</a:t>
             </a:fld>
             <a:endParaRPr lang="ko-KR" altLang="en-US"/>
           </a:p>
@@ -2075,7 +2075,7 @@
           <a:p>
             <a:fld id="{4E3C4049-45E8-4441-8ED7-FCB8F4466432}" type="datetimeFigureOut">
               <a:rPr lang="ko-KR" altLang="en-US" smtClean="0"/>
-              <a:t>2020-03-24</a:t>
+              <a:t>2020-03-27</a:t>
             </a:fld>
             <a:endParaRPr lang="ko-KR" altLang="en-US"/>
           </a:p>
@@ -2386,7 +2386,7 @@
           <a:p>
             <a:fld id="{4E3C4049-45E8-4441-8ED7-FCB8F4466432}" type="datetimeFigureOut">
               <a:rPr lang="ko-KR" altLang="en-US" smtClean="0"/>
-              <a:t>2020-03-24</a:t>
+              <a:t>2020-03-27</a:t>
             </a:fld>
             <a:endParaRPr lang="ko-KR" altLang="en-US"/>
           </a:p>
@@ -2674,7 +2674,7 @@
           <a:p>
             <a:fld id="{4E3C4049-45E8-4441-8ED7-FCB8F4466432}" type="datetimeFigureOut">
               <a:rPr lang="ko-KR" altLang="en-US" smtClean="0"/>
-              <a:t>2020-03-24</a:t>
+              <a:t>2020-03-27</a:t>
             </a:fld>
             <a:endParaRPr lang="ko-KR" altLang="en-US"/>
           </a:p>
@@ -2915,7 +2915,7 @@
           <a:p>
             <a:fld id="{4E3C4049-45E8-4441-8ED7-FCB8F4466432}" type="datetimeFigureOut">
               <a:rPr lang="ko-KR" altLang="en-US" smtClean="0"/>
-              <a:t>2020-03-24</a:t>
+              <a:t>2020-03-27</a:t>
             </a:fld>
             <a:endParaRPr lang="ko-KR" altLang="en-US"/>
           </a:p>
@@ -3318,6 +3318,431 @@
 <file path=ppt/slides/slide1.xml><?xml version="1.0" encoding="utf-8"?>
 <p:sld xmlns:a="http://schemas.openxmlformats.org/drawingml/2006/main" xmlns:r="http://schemas.openxmlformats.org/officeDocument/2006/relationships" xmlns:p="http://schemas.openxmlformats.org/presentationml/2006/main">
   <p:cSld>
+    <p:bg>
+      <p:bgPr>
+        <a:solidFill>
+          <a:schemeClr val="bg1"/>
+        </a:solidFill>
+        <a:effectLst/>
+      </p:bgPr>
+    </p:bg>
+    <p:spTree>
+      <p:nvGrpSpPr>
+        <p:cNvPr id="1" name=""/>
+        <p:cNvGrpSpPr/>
+        <p:nvPr/>
+      </p:nvGrpSpPr>
+      <p:grpSpPr>
+        <a:xfrm>
+          <a:off x="0" y="0"/>
+          <a:ext cx="0" cy="0"/>
+          <a:chOff x="0" y="0"/>
+          <a:chExt cx="0" cy="0"/>
+        </a:xfrm>
+      </p:grpSpPr>
+      <p:sp>
+        <p:nvSpPr>
+          <p:cNvPr id="33" name="직사각형 32">
+            <a:extLst>
+              <a:ext uri="{FF2B5EF4-FFF2-40B4-BE49-F238E27FC236}">
+                <a16:creationId xmlns:a16="http://schemas.microsoft.com/office/drawing/2014/main" id="{7AB2B8F3-08BE-44BE-9D4D-144B26164048}"/>
+              </a:ext>
+            </a:extLst>
+          </p:cNvPr>
+          <p:cNvSpPr/>
+          <p:nvPr/>
+        </p:nvSpPr>
+        <p:spPr>
+          <a:xfrm>
+            <a:off x="0" y="-2"/>
+            <a:ext cx="8428891" cy="5990493"/>
+          </a:xfrm>
+          <a:prstGeom prst="rect">
+            <a:avLst/>
+          </a:prstGeom>
+          <a:solidFill>
+            <a:srgbClr val="00EE93"/>
+          </a:solidFill>
+          <a:ln>
+            <a:noFill/>
+          </a:ln>
+        </p:spPr>
+        <p:style>
+          <a:lnRef idx="2">
+            <a:schemeClr val="accent1">
+              <a:shade val="50000"/>
+            </a:schemeClr>
+          </a:lnRef>
+          <a:fillRef idx="1">
+            <a:schemeClr val="accent1"/>
+          </a:fillRef>
+          <a:effectRef idx="0">
+            <a:schemeClr val="accent1"/>
+          </a:effectRef>
+          <a:fontRef idx="minor">
+            <a:schemeClr val="lt1"/>
+          </a:fontRef>
+        </p:style>
+        <p:txBody>
+          <a:bodyPr rot="0" spcFirstLastPara="0" vertOverflow="overflow" horzOverflow="overflow" vert="horz" wrap="square" lIns="91440" tIns="45720" rIns="91440" bIns="45720" numCol="1" spcCol="0" rtlCol="0" fromWordArt="0" anchor="ctr" anchorCtr="0" forceAA="0" compatLnSpc="1">
+            <a:prstTxWarp prst="textNoShape">
+              <a:avLst/>
+            </a:prstTxWarp>
+            <a:noAutofit/>
+          </a:bodyPr>
+          <a:lstStyle/>
+          <a:p>
+            <a:pPr algn="ctr"/>
+            <a:endParaRPr lang="ko-KR" altLang="en-US" dirty="0"/>
+          </a:p>
+        </p:txBody>
+      </p:sp>
+      <p:pic>
+        <p:nvPicPr>
+          <p:cNvPr id="37" name="그림 36">
+            <a:extLst>
+              <a:ext uri="{FF2B5EF4-FFF2-40B4-BE49-F238E27FC236}">
+                <a16:creationId xmlns:a16="http://schemas.microsoft.com/office/drawing/2014/main" id="{76D5A631-15F5-44DE-AF46-8A2D4CE8B30F}"/>
+              </a:ext>
+            </a:extLst>
+          </p:cNvPr>
+          <p:cNvPicPr>
+            <a:picLocks noChangeAspect="1"/>
+          </p:cNvPicPr>
+          <p:nvPr/>
+        </p:nvPicPr>
+        <p:blipFill>
+          <a:blip r:embed="rId2">
+            <a:extLst>
+              <a:ext uri="{28A0092B-C50C-407E-A947-70E740481C1C}">
+                <a14:useLocalDpi xmlns:a14="http://schemas.microsoft.com/office/drawing/2010/main" val="0"/>
+              </a:ext>
+            </a:extLst>
+          </a:blip>
+          <a:stretch>
+            <a:fillRect/>
+          </a:stretch>
+        </p:blipFill>
+        <p:spPr>
+          <a:xfrm>
+            <a:off x="824779" y="1399402"/>
+            <a:ext cx="3591854" cy="1134271"/>
+          </a:xfrm>
+          <a:prstGeom prst="rect">
+            <a:avLst/>
+          </a:prstGeom>
+        </p:spPr>
+      </p:pic>
+      <p:pic>
+        <p:nvPicPr>
+          <p:cNvPr id="39" name="Picture 2" descr="girl using desktop computer in room">
+            <a:extLst>
+              <a:ext uri="{FF2B5EF4-FFF2-40B4-BE49-F238E27FC236}">
+                <a16:creationId xmlns:a16="http://schemas.microsoft.com/office/drawing/2014/main" id="{0DDFD540-67FA-4C24-8E72-7EFD0D284CBC}"/>
+              </a:ext>
+            </a:extLst>
+          </p:cNvPr>
+          <p:cNvPicPr>
+            <a:picLocks noChangeAspect="1" noChangeArrowheads="1"/>
+          </p:cNvPicPr>
+          <p:nvPr/>
+        </p:nvPicPr>
+        <p:blipFill rotWithShape="1">
+          <a:blip r:embed="rId3">
+            <a:extLst>
+              <a:ext uri="{28A0092B-C50C-407E-A947-70E740481C1C}">
+                <a14:useLocalDpi xmlns:a14="http://schemas.microsoft.com/office/drawing/2010/main" val="0"/>
+              </a:ext>
+            </a:extLst>
+          </a:blip>
+          <a:srcRect t="19495" r="39696"/>
+          <a:stretch/>
+        </p:blipFill>
+        <p:spPr bwMode="auto">
+          <a:xfrm>
+            <a:off x="6848657" y="1491699"/>
+            <a:ext cx="4012258" cy="3572672"/>
+          </a:xfrm>
+          <a:prstGeom prst="rect">
+            <a:avLst/>
+          </a:prstGeom>
+          <a:noFill/>
+          <a:effectLst>
+            <a:outerShdw blurRad="698500" algn="ctr" rotWithShape="0">
+              <a:prstClr val="black">
+                <a:alpha val="40000"/>
+              </a:prstClr>
+            </a:outerShdw>
+          </a:effectLst>
+          <a:extLst>
+            <a:ext uri="{909E8E84-426E-40DD-AFC4-6F175D3DCCD1}">
+              <a14:hiddenFill xmlns:a14="http://schemas.microsoft.com/office/drawing/2010/main">
+                <a:solidFill>
+                  <a:srgbClr val="FFFFFF"/>
+                </a:solidFill>
+              </a14:hiddenFill>
+            </a:ext>
+          </a:extLst>
+        </p:spPr>
+      </p:pic>
+      <p:sp>
+        <p:nvSpPr>
+          <p:cNvPr id="38" name="TextBox 37">
+            <a:extLst>
+              <a:ext uri="{FF2B5EF4-FFF2-40B4-BE49-F238E27FC236}">
+                <a16:creationId xmlns:a16="http://schemas.microsoft.com/office/drawing/2014/main" id="{6921DC44-0598-4C66-A6E2-9B96D4EC66C5}"/>
+              </a:ext>
+            </a:extLst>
+          </p:cNvPr>
+          <p:cNvSpPr txBox="1"/>
+          <p:nvPr/>
+        </p:nvSpPr>
+        <p:spPr>
+          <a:xfrm>
+            <a:off x="2722831" y="427037"/>
+            <a:ext cx="4940984" cy="369332"/>
+          </a:xfrm>
+          <a:prstGeom prst="rect">
+            <a:avLst/>
+          </a:prstGeom>
+          <a:noFill/>
+        </p:spPr>
+        <p:txBody>
+          <a:bodyPr wrap="square" rtlCol="0">
+            <a:spAutoFit/>
+          </a:bodyPr>
+          <a:lstStyle/>
+          <a:p>
+            <a:r>
+              <a:rPr lang="en-US" altLang="ko-KR" dirty="0">
+                <a:latin typeface="Abadi Extra Light" panose="020B0204020104020204" pitchFamily="34" charset="0"/>
+              </a:rPr>
+              <a:t>Info       </a:t>
+            </a:r>
+            <a:r>
+              <a:rPr lang="en-US" altLang="ko-KR" u="sng" dirty="0">
+                <a:solidFill>
+                  <a:schemeClr val="bg1"/>
+                </a:solidFill>
+                <a:latin typeface="Abadi Extra Light" panose="020B0204020104020204" pitchFamily="34" charset="0"/>
+              </a:rPr>
+              <a:t>Statistic</a:t>
+            </a:r>
+            <a:r>
+              <a:rPr lang="en-US" altLang="ko-KR" dirty="0">
+                <a:latin typeface="Abadi Extra Light" panose="020B0204020104020204" pitchFamily="34" charset="0"/>
+              </a:rPr>
+              <a:t>       Tip       Challenge       Game</a:t>
+            </a:r>
+            <a:endParaRPr lang="ko-KR" altLang="en-US" dirty="0">
+              <a:latin typeface="Abadi Extra Light" panose="020B0204020104020204" pitchFamily="34" charset="0"/>
+            </a:endParaRPr>
+          </a:p>
+        </p:txBody>
+      </p:sp>
+      <p:sp>
+        <p:nvSpPr>
+          <p:cNvPr id="42" name="TextBox 41">
+            <a:extLst>
+              <a:ext uri="{FF2B5EF4-FFF2-40B4-BE49-F238E27FC236}">
+                <a16:creationId xmlns:a16="http://schemas.microsoft.com/office/drawing/2014/main" id="{DEA3B2C3-BF51-4054-92AC-FC42B8826330}"/>
+              </a:ext>
+            </a:extLst>
+          </p:cNvPr>
+          <p:cNvSpPr txBox="1"/>
+          <p:nvPr/>
+        </p:nvSpPr>
+        <p:spPr>
+          <a:xfrm>
+            <a:off x="1374272" y="4092805"/>
+            <a:ext cx="1840524" cy="338554"/>
+          </a:xfrm>
+          <a:prstGeom prst="rect">
+            <a:avLst/>
+          </a:prstGeom>
+          <a:noFill/>
+        </p:spPr>
+        <p:txBody>
+          <a:bodyPr wrap="square" rtlCol="0">
+            <a:spAutoFit/>
+          </a:bodyPr>
+          <a:lstStyle/>
+          <a:p>
+            <a:r>
+              <a:rPr lang="en-US" altLang="ko-KR" sz="1600" b="1" dirty="0">
+                <a:solidFill>
+                  <a:schemeClr val="bg1"/>
+                </a:solidFill>
+              </a:rPr>
+              <a:t>GET STARTED</a:t>
+            </a:r>
+            <a:endParaRPr lang="ko-KR" altLang="en-US" sz="1600" b="1" dirty="0">
+              <a:solidFill>
+                <a:schemeClr val="bg1"/>
+              </a:solidFill>
+            </a:endParaRPr>
+          </a:p>
+        </p:txBody>
+      </p:sp>
+      <p:sp>
+        <p:nvSpPr>
+          <p:cNvPr id="43" name="직사각형 42">
+            <a:extLst>
+              <a:ext uri="{FF2B5EF4-FFF2-40B4-BE49-F238E27FC236}">
+                <a16:creationId xmlns:a16="http://schemas.microsoft.com/office/drawing/2014/main" id="{3B7511A2-2481-4A45-A8A1-50FADB5A0144}"/>
+              </a:ext>
+            </a:extLst>
+          </p:cNvPr>
+          <p:cNvSpPr/>
+          <p:nvPr/>
+        </p:nvSpPr>
+        <p:spPr>
+          <a:xfrm>
+            <a:off x="1374272" y="3903785"/>
+            <a:ext cx="1474436" cy="679938"/>
+          </a:xfrm>
+          <a:prstGeom prst="rect">
+            <a:avLst/>
+          </a:prstGeom>
+          <a:noFill/>
+          <a:ln w="25400">
+            <a:solidFill>
+              <a:schemeClr val="bg1"/>
+            </a:solidFill>
+          </a:ln>
+        </p:spPr>
+        <p:style>
+          <a:lnRef idx="2">
+            <a:schemeClr val="accent1">
+              <a:shade val="50000"/>
+            </a:schemeClr>
+          </a:lnRef>
+          <a:fillRef idx="1">
+            <a:schemeClr val="accent1"/>
+          </a:fillRef>
+          <a:effectRef idx="0">
+            <a:schemeClr val="accent1"/>
+          </a:effectRef>
+          <a:fontRef idx="minor">
+            <a:schemeClr val="lt1"/>
+          </a:fontRef>
+        </p:style>
+        <p:txBody>
+          <a:bodyPr rot="0" spcFirstLastPara="0" vertOverflow="overflow" horzOverflow="overflow" vert="horz" wrap="square" lIns="91440" tIns="45720" rIns="91440" bIns="45720" numCol="1" spcCol="0" rtlCol="0" fromWordArt="0" anchor="ctr" anchorCtr="0" forceAA="0" compatLnSpc="1">
+            <a:prstTxWarp prst="textNoShape">
+              <a:avLst/>
+            </a:prstTxWarp>
+            <a:noAutofit/>
+          </a:bodyPr>
+          <a:lstStyle/>
+          <a:p>
+            <a:pPr algn="ctr"/>
+            <a:endParaRPr lang="ko-KR" altLang="en-US"/>
+          </a:p>
+        </p:txBody>
+      </p:sp>
+      <p:sp>
+        <p:nvSpPr>
+          <p:cNvPr id="44" name="TextBox 43">
+            <a:extLst>
+              <a:ext uri="{FF2B5EF4-FFF2-40B4-BE49-F238E27FC236}">
+                <a16:creationId xmlns:a16="http://schemas.microsoft.com/office/drawing/2014/main" id="{CDF4B92D-7E13-45C5-B204-CB2B8801A5B0}"/>
+              </a:ext>
+            </a:extLst>
+          </p:cNvPr>
+          <p:cNvSpPr txBox="1"/>
+          <p:nvPr/>
+        </p:nvSpPr>
+        <p:spPr>
+          <a:xfrm>
+            <a:off x="928795" y="2562125"/>
+            <a:ext cx="4264528" cy="461665"/>
+          </a:xfrm>
+          <a:prstGeom prst="rect">
+            <a:avLst/>
+          </a:prstGeom>
+          <a:noFill/>
+        </p:spPr>
+        <p:txBody>
+          <a:bodyPr wrap="square" rtlCol="0">
+            <a:spAutoFit/>
+          </a:bodyPr>
+          <a:lstStyle/>
+          <a:p>
+            <a:r>
+              <a:rPr lang="ja-JP" altLang="en-US" sz="1200" spc="300" dirty="0">
+                <a:solidFill>
+                  <a:schemeClr val="bg1"/>
+                </a:solidFill>
+                <a:latin typeface="Meiryo" panose="020B0604030504040204" pitchFamily="34" charset="-128"/>
+                <a:ea typeface="Meiryo" panose="020B0604030504040204" pitchFamily="34" charset="-128"/>
+              </a:rPr>
+              <a:t>ウエイスタンドは</a:t>
+            </a:r>
+            <a:r>
+              <a:rPr lang="en-US" altLang="ja-JP" sz="1200" spc="300" dirty="0">
+                <a:solidFill>
+                  <a:schemeClr val="bg1"/>
+                </a:solidFill>
+                <a:latin typeface="Meiryo" panose="020B0604030504040204" pitchFamily="34" charset="-128"/>
+                <a:ea typeface="Meiryo" panose="020B0604030504040204" pitchFamily="34" charset="-128"/>
+              </a:rPr>
+              <a:t>IoT</a:t>
+            </a:r>
+            <a:r>
+              <a:rPr lang="ja-JP" altLang="en-US" sz="1200" spc="300" dirty="0">
+                <a:solidFill>
+                  <a:schemeClr val="bg1"/>
+                </a:solidFill>
+                <a:latin typeface="Meiryo" panose="020B0604030504040204" pitchFamily="34" charset="-128"/>
+                <a:ea typeface="Meiryo" panose="020B0604030504040204" pitchFamily="34" charset="-128"/>
+              </a:rPr>
+              <a:t>座布団を通して、</a:t>
+            </a:r>
+            <a:endParaRPr lang="en-US" altLang="ja-JP" sz="1200" spc="300" dirty="0">
+              <a:solidFill>
+                <a:schemeClr val="bg1"/>
+              </a:solidFill>
+              <a:latin typeface="Meiryo" panose="020B0604030504040204" pitchFamily="34" charset="-128"/>
+              <a:ea typeface="Meiryo" panose="020B0604030504040204" pitchFamily="34" charset="-128"/>
+            </a:endParaRPr>
+          </a:p>
+          <a:p>
+            <a:r>
+              <a:rPr lang="ja-JP" altLang="en-US" sz="1200" spc="300" dirty="0">
+                <a:solidFill>
+                  <a:schemeClr val="bg1"/>
+                </a:solidFill>
+                <a:latin typeface="Meiryo" panose="020B0604030504040204" pitchFamily="34" charset="-128"/>
+                <a:ea typeface="Meiryo" panose="020B0604030504040204" pitchFamily="34" charset="-128"/>
+              </a:rPr>
+              <a:t>正しくて健康的な姿勢で座る習慣を形成します。</a:t>
+            </a:r>
+            <a:endParaRPr lang="ko-KR" altLang="en-US" sz="1200" spc="300" dirty="0">
+              <a:solidFill>
+                <a:schemeClr val="bg1"/>
+              </a:solidFill>
+              <a:latin typeface="Meiryo" panose="020B0604030504040204" pitchFamily="34" charset="-128"/>
+            </a:endParaRPr>
+          </a:p>
+        </p:txBody>
+      </p:sp>
+    </p:spTree>
+    <p:extLst>
+      <p:ext uri="{BB962C8B-B14F-4D97-AF65-F5344CB8AC3E}">
+        <p14:creationId xmlns:p14="http://schemas.microsoft.com/office/powerpoint/2010/main" val="2769028573"/>
+      </p:ext>
+    </p:extLst>
+  </p:cSld>
+  <p:clrMapOvr>
+    <a:masterClrMapping/>
+  </p:clrMapOvr>
+</p:sld>
+</file>
+
+<file path=ppt/slides/slide2.xml><?xml version="1.0" encoding="utf-8"?>
+<p:sld xmlns:a="http://schemas.openxmlformats.org/drawingml/2006/main" xmlns:r="http://schemas.openxmlformats.org/officeDocument/2006/relationships" xmlns:p="http://schemas.openxmlformats.org/presentationml/2006/main">
+  <p:cSld>
     <p:spTree>
       <p:nvGrpSpPr>
         <p:cNvPr id="1" name=""/>
@@ -4260,431 +4685,6 @@
     <p:extLst>
       <p:ext uri="{BB962C8B-B14F-4D97-AF65-F5344CB8AC3E}">
         <p14:creationId xmlns:p14="http://schemas.microsoft.com/office/powerpoint/2010/main" val="1759999144"/>
-      </p:ext>
-    </p:extLst>
-  </p:cSld>
-  <p:clrMapOvr>
-    <a:masterClrMapping/>
-  </p:clrMapOvr>
-</p:sld>
-</file>
-
-<file path=ppt/slides/slide2.xml><?xml version="1.0" encoding="utf-8"?>
-<p:sld xmlns:a="http://schemas.openxmlformats.org/drawingml/2006/main" xmlns:r="http://schemas.openxmlformats.org/officeDocument/2006/relationships" xmlns:p="http://schemas.openxmlformats.org/presentationml/2006/main">
-  <p:cSld>
-    <p:bg>
-      <p:bgPr>
-        <a:solidFill>
-          <a:schemeClr val="bg1"/>
-        </a:solidFill>
-        <a:effectLst/>
-      </p:bgPr>
-    </p:bg>
-    <p:spTree>
-      <p:nvGrpSpPr>
-        <p:cNvPr id="1" name=""/>
-        <p:cNvGrpSpPr/>
-        <p:nvPr/>
-      </p:nvGrpSpPr>
-      <p:grpSpPr>
-        <a:xfrm>
-          <a:off x="0" y="0"/>
-          <a:ext cx="0" cy="0"/>
-          <a:chOff x="0" y="0"/>
-          <a:chExt cx="0" cy="0"/>
-        </a:xfrm>
-      </p:grpSpPr>
-      <p:sp>
-        <p:nvSpPr>
-          <p:cNvPr id="33" name="직사각형 32">
-            <a:extLst>
-              <a:ext uri="{FF2B5EF4-FFF2-40B4-BE49-F238E27FC236}">
-                <a16:creationId xmlns:a16="http://schemas.microsoft.com/office/drawing/2014/main" id="{7AB2B8F3-08BE-44BE-9D4D-144B26164048}"/>
-              </a:ext>
-            </a:extLst>
-          </p:cNvPr>
-          <p:cNvSpPr/>
-          <p:nvPr/>
-        </p:nvSpPr>
-        <p:spPr>
-          <a:xfrm>
-            <a:off x="0" y="-2"/>
-            <a:ext cx="8428891" cy="5990493"/>
-          </a:xfrm>
-          <a:prstGeom prst="rect">
-            <a:avLst/>
-          </a:prstGeom>
-          <a:solidFill>
-            <a:srgbClr val="00EE93"/>
-          </a:solidFill>
-          <a:ln>
-            <a:noFill/>
-          </a:ln>
-        </p:spPr>
-        <p:style>
-          <a:lnRef idx="2">
-            <a:schemeClr val="accent1">
-              <a:shade val="50000"/>
-            </a:schemeClr>
-          </a:lnRef>
-          <a:fillRef idx="1">
-            <a:schemeClr val="accent1"/>
-          </a:fillRef>
-          <a:effectRef idx="0">
-            <a:schemeClr val="accent1"/>
-          </a:effectRef>
-          <a:fontRef idx="minor">
-            <a:schemeClr val="lt1"/>
-          </a:fontRef>
-        </p:style>
-        <p:txBody>
-          <a:bodyPr rot="0" spcFirstLastPara="0" vertOverflow="overflow" horzOverflow="overflow" vert="horz" wrap="square" lIns="91440" tIns="45720" rIns="91440" bIns="45720" numCol="1" spcCol="0" rtlCol="0" fromWordArt="0" anchor="ctr" anchorCtr="0" forceAA="0" compatLnSpc="1">
-            <a:prstTxWarp prst="textNoShape">
-              <a:avLst/>
-            </a:prstTxWarp>
-            <a:noAutofit/>
-          </a:bodyPr>
-          <a:lstStyle/>
-          <a:p>
-            <a:pPr algn="ctr"/>
-            <a:endParaRPr lang="ko-KR" altLang="en-US" dirty="0"/>
-          </a:p>
-        </p:txBody>
-      </p:sp>
-      <p:pic>
-        <p:nvPicPr>
-          <p:cNvPr id="37" name="그림 36">
-            <a:extLst>
-              <a:ext uri="{FF2B5EF4-FFF2-40B4-BE49-F238E27FC236}">
-                <a16:creationId xmlns:a16="http://schemas.microsoft.com/office/drawing/2014/main" id="{76D5A631-15F5-44DE-AF46-8A2D4CE8B30F}"/>
-              </a:ext>
-            </a:extLst>
-          </p:cNvPr>
-          <p:cNvPicPr>
-            <a:picLocks noChangeAspect="1"/>
-          </p:cNvPicPr>
-          <p:nvPr/>
-        </p:nvPicPr>
-        <p:blipFill>
-          <a:blip r:embed="rId2">
-            <a:extLst>
-              <a:ext uri="{28A0092B-C50C-407E-A947-70E740481C1C}">
-                <a14:useLocalDpi xmlns:a14="http://schemas.microsoft.com/office/drawing/2010/main" val="0"/>
-              </a:ext>
-            </a:extLst>
-          </a:blip>
-          <a:stretch>
-            <a:fillRect/>
-          </a:stretch>
-        </p:blipFill>
-        <p:spPr>
-          <a:xfrm>
-            <a:off x="824779" y="1399402"/>
-            <a:ext cx="3591854" cy="1134271"/>
-          </a:xfrm>
-          <a:prstGeom prst="rect">
-            <a:avLst/>
-          </a:prstGeom>
-        </p:spPr>
-      </p:pic>
-      <p:pic>
-        <p:nvPicPr>
-          <p:cNvPr id="39" name="Picture 2" descr="girl using desktop computer in room">
-            <a:extLst>
-              <a:ext uri="{FF2B5EF4-FFF2-40B4-BE49-F238E27FC236}">
-                <a16:creationId xmlns:a16="http://schemas.microsoft.com/office/drawing/2014/main" id="{0DDFD540-67FA-4C24-8E72-7EFD0D284CBC}"/>
-              </a:ext>
-            </a:extLst>
-          </p:cNvPr>
-          <p:cNvPicPr>
-            <a:picLocks noChangeAspect="1" noChangeArrowheads="1"/>
-          </p:cNvPicPr>
-          <p:nvPr/>
-        </p:nvPicPr>
-        <p:blipFill rotWithShape="1">
-          <a:blip r:embed="rId3">
-            <a:extLst>
-              <a:ext uri="{28A0092B-C50C-407E-A947-70E740481C1C}">
-                <a14:useLocalDpi xmlns:a14="http://schemas.microsoft.com/office/drawing/2010/main" val="0"/>
-              </a:ext>
-            </a:extLst>
-          </a:blip>
-          <a:srcRect t="19495" r="39696"/>
-          <a:stretch/>
-        </p:blipFill>
-        <p:spPr bwMode="auto">
-          <a:xfrm>
-            <a:off x="6848657" y="1491699"/>
-            <a:ext cx="4012258" cy="3572672"/>
-          </a:xfrm>
-          <a:prstGeom prst="rect">
-            <a:avLst/>
-          </a:prstGeom>
-          <a:noFill/>
-          <a:effectLst>
-            <a:outerShdw blurRad="698500" algn="ctr" rotWithShape="0">
-              <a:prstClr val="black">
-                <a:alpha val="40000"/>
-              </a:prstClr>
-            </a:outerShdw>
-          </a:effectLst>
-          <a:extLst>
-            <a:ext uri="{909E8E84-426E-40DD-AFC4-6F175D3DCCD1}">
-              <a14:hiddenFill xmlns:a14="http://schemas.microsoft.com/office/drawing/2010/main">
-                <a:solidFill>
-                  <a:srgbClr val="FFFFFF"/>
-                </a:solidFill>
-              </a14:hiddenFill>
-            </a:ext>
-          </a:extLst>
-        </p:spPr>
-      </p:pic>
-      <p:sp>
-        <p:nvSpPr>
-          <p:cNvPr id="38" name="TextBox 37">
-            <a:extLst>
-              <a:ext uri="{FF2B5EF4-FFF2-40B4-BE49-F238E27FC236}">
-                <a16:creationId xmlns:a16="http://schemas.microsoft.com/office/drawing/2014/main" id="{6921DC44-0598-4C66-A6E2-9B96D4EC66C5}"/>
-              </a:ext>
-            </a:extLst>
-          </p:cNvPr>
-          <p:cNvSpPr txBox="1"/>
-          <p:nvPr/>
-        </p:nvSpPr>
-        <p:spPr>
-          <a:xfrm>
-            <a:off x="2722831" y="427037"/>
-            <a:ext cx="4940984" cy="369332"/>
-          </a:xfrm>
-          <a:prstGeom prst="rect">
-            <a:avLst/>
-          </a:prstGeom>
-          <a:noFill/>
-        </p:spPr>
-        <p:txBody>
-          <a:bodyPr wrap="square" rtlCol="0">
-            <a:spAutoFit/>
-          </a:bodyPr>
-          <a:lstStyle/>
-          <a:p>
-            <a:r>
-              <a:rPr lang="en-US" altLang="ko-KR" dirty="0">
-                <a:latin typeface="Abadi Extra Light" panose="020B0204020104020204" pitchFamily="34" charset="0"/>
-              </a:rPr>
-              <a:t>Info       </a:t>
-            </a:r>
-            <a:r>
-              <a:rPr lang="en-US" altLang="ko-KR" u="sng" dirty="0">
-                <a:solidFill>
-                  <a:schemeClr val="bg1"/>
-                </a:solidFill>
-                <a:latin typeface="Abadi Extra Light" panose="020B0204020104020204" pitchFamily="34" charset="0"/>
-              </a:rPr>
-              <a:t>Statistic</a:t>
-            </a:r>
-            <a:r>
-              <a:rPr lang="en-US" altLang="ko-KR" dirty="0">
-                <a:latin typeface="Abadi Extra Light" panose="020B0204020104020204" pitchFamily="34" charset="0"/>
-              </a:rPr>
-              <a:t>       Tip       Challenge       Game</a:t>
-            </a:r>
-            <a:endParaRPr lang="ko-KR" altLang="en-US" dirty="0">
-              <a:latin typeface="Abadi Extra Light" panose="020B0204020104020204" pitchFamily="34" charset="0"/>
-            </a:endParaRPr>
-          </a:p>
-        </p:txBody>
-      </p:sp>
-      <p:sp>
-        <p:nvSpPr>
-          <p:cNvPr id="42" name="TextBox 41">
-            <a:extLst>
-              <a:ext uri="{FF2B5EF4-FFF2-40B4-BE49-F238E27FC236}">
-                <a16:creationId xmlns:a16="http://schemas.microsoft.com/office/drawing/2014/main" id="{DEA3B2C3-BF51-4054-92AC-FC42B8826330}"/>
-              </a:ext>
-            </a:extLst>
-          </p:cNvPr>
-          <p:cNvSpPr txBox="1"/>
-          <p:nvPr/>
-        </p:nvSpPr>
-        <p:spPr>
-          <a:xfrm>
-            <a:off x="1374272" y="4092805"/>
-            <a:ext cx="1840524" cy="338554"/>
-          </a:xfrm>
-          <a:prstGeom prst="rect">
-            <a:avLst/>
-          </a:prstGeom>
-          <a:noFill/>
-        </p:spPr>
-        <p:txBody>
-          <a:bodyPr wrap="square" rtlCol="0">
-            <a:spAutoFit/>
-          </a:bodyPr>
-          <a:lstStyle/>
-          <a:p>
-            <a:r>
-              <a:rPr lang="en-US" altLang="ko-KR" sz="1600" b="1" dirty="0">
-                <a:solidFill>
-                  <a:schemeClr val="bg1"/>
-                </a:solidFill>
-              </a:rPr>
-              <a:t>GET STARTED</a:t>
-            </a:r>
-            <a:endParaRPr lang="ko-KR" altLang="en-US" sz="1600" b="1" dirty="0">
-              <a:solidFill>
-                <a:schemeClr val="bg1"/>
-              </a:solidFill>
-            </a:endParaRPr>
-          </a:p>
-        </p:txBody>
-      </p:sp>
-      <p:sp>
-        <p:nvSpPr>
-          <p:cNvPr id="43" name="직사각형 42">
-            <a:extLst>
-              <a:ext uri="{FF2B5EF4-FFF2-40B4-BE49-F238E27FC236}">
-                <a16:creationId xmlns:a16="http://schemas.microsoft.com/office/drawing/2014/main" id="{3B7511A2-2481-4A45-A8A1-50FADB5A0144}"/>
-              </a:ext>
-            </a:extLst>
-          </p:cNvPr>
-          <p:cNvSpPr/>
-          <p:nvPr/>
-        </p:nvSpPr>
-        <p:spPr>
-          <a:xfrm>
-            <a:off x="1374272" y="3903785"/>
-            <a:ext cx="1474436" cy="679938"/>
-          </a:xfrm>
-          <a:prstGeom prst="rect">
-            <a:avLst/>
-          </a:prstGeom>
-          <a:noFill/>
-          <a:ln w="25400">
-            <a:solidFill>
-              <a:schemeClr val="bg1"/>
-            </a:solidFill>
-          </a:ln>
-        </p:spPr>
-        <p:style>
-          <a:lnRef idx="2">
-            <a:schemeClr val="accent1">
-              <a:shade val="50000"/>
-            </a:schemeClr>
-          </a:lnRef>
-          <a:fillRef idx="1">
-            <a:schemeClr val="accent1"/>
-          </a:fillRef>
-          <a:effectRef idx="0">
-            <a:schemeClr val="accent1"/>
-          </a:effectRef>
-          <a:fontRef idx="minor">
-            <a:schemeClr val="lt1"/>
-          </a:fontRef>
-        </p:style>
-        <p:txBody>
-          <a:bodyPr rot="0" spcFirstLastPara="0" vertOverflow="overflow" horzOverflow="overflow" vert="horz" wrap="square" lIns="91440" tIns="45720" rIns="91440" bIns="45720" numCol="1" spcCol="0" rtlCol="0" fromWordArt="0" anchor="ctr" anchorCtr="0" forceAA="0" compatLnSpc="1">
-            <a:prstTxWarp prst="textNoShape">
-              <a:avLst/>
-            </a:prstTxWarp>
-            <a:noAutofit/>
-          </a:bodyPr>
-          <a:lstStyle/>
-          <a:p>
-            <a:pPr algn="ctr"/>
-            <a:endParaRPr lang="ko-KR" altLang="en-US"/>
-          </a:p>
-        </p:txBody>
-      </p:sp>
-      <p:sp>
-        <p:nvSpPr>
-          <p:cNvPr id="44" name="TextBox 43">
-            <a:extLst>
-              <a:ext uri="{FF2B5EF4-FFF2-40B4-BE49-F238E27FC236}">
-                <a16:creationId xmlns:a16="http://schemas.microsoft.com/office/drawing/2014/main" id="{CDF4B92D-7E13-45C5-B204-CB2B8801A5B0}"/>
-              </a:ext>
-            </a:extLst>
-          </p:cNvPr>
-          <p:cNvSpPr txBox="1"/>
-          <p:nvPr/>
-        </p:nvSpPr>
-        <p:spPr>
-          <a:xfrm>
-            <a:off x="928795" y="2562125"/>
-            <a:ext cx="4264528" cy="461665"/>
-          </a:xfrm>
-          <a:prstGeom prst="rect">
-            <a:avLst/>
-          </a:prstGeom>
-          <a:noFill/>
-        </p:spPr>
-        <p:txBody>
-          <a:bodyPr wrap="square" rtlCol="0">
-            <a:spAutoFit/>
-          </a:bodyPr>
-          <a:lstStyle/>
-          <a:p>
-            <a:r>
-              <a:rPr lang="ja-JP" altLang="en-US" sz="1200" spc="300" dirty="0">
-                <a:solidFill>
-                  <a:schemeClr val="bg1"/>
-                </a:solidFill>
-                <a:latin typeface="Meiryo" panose="020B0604030504040204" pitchFamily="34" charset="-128"/>
-                <a:ea typeface="Meiryo" panose="020B0604030504040204" pitchFamily="34" charset="-128"/>
-              </a:rPr>
-              <a:t>ウエイスタンドは</a:t>
-            </a:r>
-            <a:r>
-              <a:rPr lang="en-US" altLang="ja-JP" sz="1200" spc="300" dirty="0">
-                <a:solidFill>
-                  <a:schemeClr val="bg1"/>
-                </a:solidFill>
-                <a:latin typeface="Meiryo" panose="020B0604030504040204" pitchFamily="34" charset="-128"/>
-                <a:ea typeface="Meiryo" panose="020B0604030504040204" pitchFamily="34" charset="-128"/>
-              </a:rPr>
-              <a:t>IoT</a:t>
-            </a:r>
-            <a:r>
-              <a:rPr lang="ja-JP" altLang="en-US" sz="1200" spc="300" dirty="0">
-                <a:solidFill>
-                  <a:schemeClr val="bg1"/>
-                </a:solidFill>
-                <a:latin typeface="Meiryo" panose="020B0604030504040204" pitchFamily="34" charset="-128"/>
-                <a:ea typeface="Meiryo" panose="020B0604030504040204" pitchFamily="34" charset="-128"/>
-              </a:rPr>
-              <a:t>座布団を通して、</a:t>
-            </a:r>
-            <a:endParaRPr lang="en-US" altLang="ja-JP" sz="1200" spc="300" dirty="0">
-              <a:solidFill>
-                <a:schemeClr val="bg1"/>
-              </a:solidFill>
-              <a:latin typeface="Meiryo" panose="020B0604030504040204" pitchFamily="34" charset="-128"/>
-              <a:ea typeface="Meiryo" panose="020B0604030504040204" pitchFamily="34" charset="-128"/>
-            </a:endParaRPr>
-          </a:p>
-          <a:p>
-            <a:r>
-              <a:rPr lang="ja-JP" altLang="en-US" sz="1200" spc="300" dirty="0">
-                <a:solidFill>
-                  <a:schemeClr val="bg1"/>
-                </a:solidFill>
-                <a:latin typeface="Meiryo" panose="020B0604030504040204" pitchFamily="34" charset="-128"/>
-                <a:ea typeface="Meiryo" panose="020B0604030504040204" pitchFamily="34" charset="-128"/>
-              </a:rPr>
-              <a:t>正しくて健康的な姿勢で座る習慣を形成します。</a:t>
-            </a:r>
-            <a:endParaRPr lang="ko-KR" altLang="en-US" sz="1200" spc="300" dirty="0">
-              <a:solidFill>
-                <a:schemeClr val="bg1"/>
-              </a:solidFill>
-              <a:latin typeface="Meiryo" panose="020B0604030504040204" pitchFamily="34" charset="-128"/>
-            </a:endParaRPr>
-          </a:p>
-        </p:txBody>
-      </p:sp>
-    </p:spTree>
-    <p:extLst>
-      <p:ext uri="{BB962C8B-B14F-4D97-AF65-F5344CB8AC3E}">
-        <p14:creationId xmlns:p14="http://schemas.microsoft.com/office/powerpoint/2010/main" val="2769028573"/>
       </p:ext>
     </p:extLst>
   </p:cSld>

--- a/ui/웹UI.pptx
+++ b/ui/웹UI.pptx
@@ -265,7 +265,7 @@
           <a:p>
             <a:fld id="{4E3C4049-45E8-4441-8ED7-FCB8F4466432}" type="datetimeFigureOut">
               <a:rPr lang="ko-KR" altLang="en-US" smtClean="0"/>
-              <a:t>2020-03-27</a:t>
+              <a:t>2020-04-06</a:t>
             </a:fld>
             <a:endParaRPr lang="ko-KR" altLang="en-US"/>
           </a:p>
@@ -463,7 +463,7 @@
           <a:p>
             <a:fld id="{4E3C4049-45E8-4441-8ED7-FCB8F4466432}" type="datetimeFigureOut">
               <a:rPr lang="ko-KR" altLang="en-US" smtClean="0"/>
-              <a:t>2020-03-27</a:t>
+              <a:t>2020-04-06</a:t>
             </a:fld>
             <a:endParaRPr lang="ko-KR" altLang="en-US"/>
           </a:p>
@@ -671,7 +671,7 @@
           <a:p>
             <a:fld id="{4E3C4049-45E8-4441-8ED7-FCB8F4466432}" type="datetimeFigureOut">
               <a:rPr lang="ko-KR" altLang="en-US" smtClean="0"/>
-              <a:t>2020-03-27</a:t>
+              <a:t>2020-04-06</a:t>
             </a:fld>
             <a:endParaRPr lang="ko-KR" altLang="en-US"/>
           </a:p>
@@ -869,7 +869,7 @@
           <a:p>
             <a:fld id="{4E3C4049-45E8-4441-8ED7-FCB8F4466432}" type="datetimeFigureOut">
               <a:rPr lang="ko-KR" altLang="en-US" smtClean="0"/>
-              <a:t>2020-03-27</a:t>
+              <a:t>2020-04-06</a:t>
             </a:fld>
             <a:endParaRPr lang="ko-KR" altLang="en-US"/>
           </a:p>
@@ -1144,7 +1144,7 @@
           <a:p>
             <a:fld id="{4E3C4049-45E8-4441-8ED7-FCB8F4466432}" type="datetimeFigureOut">
               <a:rPr lang="ko-KR" altLang="en-US" smtClean="0"/>
-              <a:t>2020-03-27</a:t>
+              <a:t>2020-04-06</a:t>
             </a:fld>
             <a:endParaRPr lang="ko-KR" altLang="en-US"/>
           </a:p>
@@ -1409,7 +1409,7 @@
           <a:p>
             <a:fld id="{4E3C4049-45E8-4441-8ED7-FCB8F4466432}" type="datetimeFigureOut">
               <a:rPr lang="ko-KR" altLang="en-US" smtClean="0"/>
-              <a:t>2020-03-27</a:t>
+              <a:t>2020-04-06</a:t>
             </a:fld>
             <a:endParaRPr lang="ko-KR" altLang="en-US"/>
           </a:p>
@@ -1821,7 +1821,7 @@
           <a:p>
             <a:fld id="{4E3C4049-45E8-4441-8ED7-FCB8F4466432}" type="datetimeFigureOut">
               <a:rPr lang="ko-KR" altLang="en-US" smtClean="0"/>
-              <a:t>2020-03-27</a:t>
+              <a:t>2020-04-06</a:t>
             </a:fld>
             <a:endParaRPr lang="ko-KR" altLang="en-US"/>
           </a:p>
@@ -1962,7 +1962,7 @@
           <a:p>
             <a:fld id="{4E3C4049-45E8-4441-8ED7-FCB8F4466432}" type="datetimeFigureOut">
               <a:rPr lang="ko-KR" altLang="en-US" smtClean="0"/>
-              <a:t>2020-03-27</a:t>
+              <a:t>2020-04-06</a:t>
             </a:fld>
             <a:endParaRPr lang="ko-KR" altLang="en-US"/>
           </a:p>
@@ -2075,7 +2075,7 @@
           <a:p>
             <a:fld id="{4E3C4049-45E8-4441-8ED7-FCB8F4466432}" type="datetimeFigureOut">
               <a:rPr lang="ko-KR" altLang="en-US" smtClean="0"/>
-              <a:t>2020-03-27</a:t>
+              <a:t>2020-04-06</a:t>
             </a:fld>
             <a:endParaRPr lang="ko-KR" altLang="en-US"/>
           </a:p>
@@ -2386,7 +2386,7 @@
           <a:p>
             <a:fld id="{4E3C4049-45E8-4441-8ED7-FCB8F4466432}" type="datetimeFigureOut">
               <a:rPr lang="ko-KR" altLang="en-US" smtClean="0"/>
-              <a:t>2020-03-27</a:t>
+              <a:t>2020-04-06</a:t>
             </a:fld>
             <a:endParaRPr lang="ko-KR" altLang="en-US"/>
           </a:p>
@@ -2674,7 +2674,7 @@
           <a:p>
             <a:fld id="{4E3C4049-45E8-4441-8ED7-FCB8F4466432}" type="datetimeFigureOut">
               <a:rPr lang="ko-KR" altLang="en-US" smtClean="0"/>
-              <a:t>2020-03-27</a:t>
+              <a:t>2020-04-06</a:t>
             </a:fld>
             <a:endParaRPr lang="ko-KR" altLang="en-US"/>
           </a:p>
@@ -2915,7 +2915,7 @@
           <a:p>
             <a:fld id="{4E3C4049-45E8-4441-8ED7-FCB8F4466432}" type="datetimeFigureOut">
               <a:rPr lang="ko-KR" altLang="en-US" smtClean="0"/>
-              <a:t>2020-03-27</a:t>
+              <a:t>2020-04-06</a:t>
             </a:fld>
             <a:endParaRPr lang="ko-KR" altLang="en-US"/>
           </a:p>
@@ -3759,6 +3759,51 @@
       </p:grpSpPr>
       <p:pic>
         <p:nvPicPr>
+          <p:cNvPr id="3" name="Picture 2" descr="girl using desktop computer in room">
+            <a:extLst>
+              <a:ext uri="{FF2B5EF4-FFF2-40B4-BE49-F238E27FC236}">
+                <a16:creationId xmlns:a16="http://schemas.microsoft.com/office/drawing/2014/main" id="{3234E12B-C61C-40F2-8A2A-910868918753}"/>
+              </a:ext>
+            </a:extLst>
+          </p:cNvPr>
+          <p:cNvPicPr>
+            <a:picLocks noChangeAspect="1" noChangeArrowheads="1"/>
+          </p:cNvPicPr>
+          <p:nvPr/>
+        </p:nvPicPr>
+        <p:blipFill rotWithShape="1">
+          <a:blip r:embed="rId2">
+            <a:extLst>
+              <a:ext uri="{28A0092B-C50C-407E-A947-70E740481C1C}">
+                <a14:useLocalDpi xmlns:a14="http://schemas.microsoft.com/office/drawing/2010/main" val="0"/>
+              </a:ext>
+            </a:extLst>
+          </a:blip>
+          <a:srcRect l="-325" t="23616" r="37560" b="-3694"/>
+          <a:stretch/>
+        </p:blipFill>
+        <p:spPr bwMode="auto">
+          <a:xfrm>
+            <a:off x="4110526" y="0"/>
+            <a:ext cx="6996743" cy="5954120"/>
+          </a:xfrm>
+          <a:prstGeom prst="rect">
+            <a:avLst/>
+          </a:prstGeom>
+          <a:noFill/>
+          <a:extLst>
+            <a:ext uri="{909E8E84-426E-40DD-AFC4-6F175D3DCCD1}">
+              <a14:hiddenFill xmlns:a14="http://schemas.microsoft.com/office/drawing/2010/main">
+                <a:solidFill>
+                  <a:srgbClr val="FFFFFF"/>
+                </a:solidFill>
+              </a14:hiddenFill>
+            </a:ext>
+          </a:extLst>
+        </p:spPr>
+      </p:pic>
+      <p:pic>
+        <p:nvPicPr>
           <p:cNvPr id="17" name="Picture 2" descr="girl using desktop computer in room">
             <a:extLst>
               <a:ext uri="{FF2B5EF4-FFF2-40B4-BE49-F238E27FC236}">
@@ -3908,51 +3953,6 @@
       </p:sp>
       <p:pic>
         <p:nvPicPr>
-          <p:cNvPr id="3" name="Picture 2" descr="girl using desktop computer in room">
-            <a:extLst>
-              <a:ext uri="{FF2B5EF4-FFF2-40B4-BE49-F238E27FC236}">
-                <a16:creationId xmlns:a16="http://schemas.microsoft.com/office/drawing/2014/main" id="{3234E12B-C61C-40F2-8A2A-910868918753}"/>
-              </a:ext>
-            </a:extLst>
-          </p:cNvPr>
-          <p:cNvPicPr>
-            <a:picLocks noChangeAspect="1" noChangeArrowheads="1"/>
-          </p:cNvPicPr>
-          <p:nvPr/>
-        </p:nvPicPr>
-        <p:blipFill rotWithShape="1">
-          <a:blip r:embed="rId2">
-            <a:extLst>
-              <a:ext uri="{28A0092B-C50C-407E-A947-70E740481C1C}">
-                <a14:useLocalDpi xmlns:a14="http://schemas.microsoft.com/office/drawing/2010/main" val="0"/>
-              </a:ext>
-            </a:extLst>
-          </a:blip>
-          <a:srcRect l="6627" t="17248" r="20985"/>
-          <a:stretch/>
-        </p:blipFill>
-        <p:spPr bwMode="auto">
-          <a:xfrm>
-            <a:off x="4173416" y="-2"/>
-            <a:ext cx="6933854" cy="5287110"/>
-          </a:xfrm>
-          <a:prstGeom prst="rect">
-            <a:avLst/>
-          </a:prstGeom>
-          <a:noFill/>
-          <a:extLst>
-            <a:ext uri="{909E8E84-426E-40DD-AFC4-6F175D3DCCD1}">
-              <a14:hiddenFill xmlns:a14="http://schemas.microsoft.com/office/drawing/2010/main">
-                <a:solidFill>
-                  <a:srgbClr val="FFFFFF"/>
-                </a:solidFill>
-              </a14:hiddenFill>
-            </a:ext>
-          </a:extLst>
-        </p:spPr>
-      </p:pic>
-      <p:pic>
-        <p:nvPicPr>
           <p:cNvPr id="4" name="그림 3">
             <a:extLst>
               <a:ext uri="{FF2B5EF4-FFF2-40B4-BE49-F238E27FC236}">
@@ -4001,7 +4001,7 @@
         </p:nvSpPr>
         <p:spPr>
           <a:xfrm>
-            <a:off x="11107271" y="0"/>
+            <a:off x="11095548" y="-2"/>
             <a:ext cx="1084729" cy="6858002"/>
           </a:xfrm>
           <a:prstGeom prst="rect">
@@ -4810,6 +4810,192 @@
           </a:p>
         </p:txBody>
       </p:sp>
+      <p:sp>
+        <p:nvSpPr>
+          <p:cNvPr id="4" name="직사각형 3">
+            <a:extLst>
+              <a:ext uri="{FF2B5EF4-FFF2-40B4-BE49-F238E27FC236}">
+                <a16:creationId xmlns:a16="http://schemas.microsoft.com/office/drawing/2014/main" id="{15861CEA-C698-4664-9811-CD3F6C469B61}"/>
+              </a:ext>
+            </a:extLst>
+          </p:cNvPr>
+          <p:cNvSpPr/>
+          <p:nvPr/>
+        </p:nvSpPr>
+        <p:spPr>
+          <a:xfrm>
+            <a:off x="11346994" y="183127"/>
+            <a:ext cx="589746" cy="595037"/>
+          </a:xfrm>
+          <a:prstGeom prst="rect">
+            <a:avLst/>
+          </a:prstGeom>
+          <a:solidFill>
+            <a:srgbClr val="034526">
+              <a:alpha val="92941"/>
+            </a:srgbClr>
+          </a:solidFill>
+          <a:ln>
+            <a:noFill/>
+          </a:ln>
+        </p:spPr>
+        <p:style>
+          <a:lnRef idx="2">
+            <a:schemeClr val="accent1">
+              <a:shade val="50000"/>
+            </a:schemeClr>
+          </a:lnRef>
+          <a:fillRef idx="1">
+            <a:schemeClr val="accent1"/>
+          </a:fillRef>
+          <a:effectRef idx="0">
+            <a:schemeClr val="accent1"/>
+          </a:effectRef>
+          <a:fontRef idx="minor">
+            <a:schemeClr val="lt1"/>
+          </a:fontRef>
+        </p:style>
+        <p:txBody>
+          <a:bodyPr rot="0" spcFirstLastPara="0" vertOverflow="overflow" horzOverflow="overflow" vert="horz" wrap="square" lIns="91440" tIns="45720" rIns="91440" bIns="45720" numCol="1" spcCol="0" rtlCol="0" fromWordArt="0" anchor="ctr" anchorCtr="0" forceAA="0" compatLnSpc="1">
+            <a:prstTxWarp prst="textNoShape">
+              <a:avLst/>
+            </a:prstTxWarp>
+            <a:noAutofit/>
+          </a:bodyPr>
+          <a:lstStyle/>
+          <a:p>
+            <a:pPr algn="ctr"/>
+            <a:endParaRPr lang="ko-KR" altLang="en-US" dirty="0"/>
+          </a:p>
+        </p:txBody>
+      </p:sp>
+      <p:cxnSp>
+        <p:nvCxnSpPr>
+          <p:cNvPr id="5" name="직선 연결선 4">
+            <a:extLst>
+              <a:ext uri="{FF2B5EF4-FFF2-40B4-BE49-F238E27FC236}">
+                <a16:creationId xmlns:a16="http://schemas.microsoft.com/office/drawing/2014/main" id="{EFBB6787-26EE-49B0-971B-F796CB361B6C}"/>
+              </a:ext>
+            </a:extLst>
+          </p:cNvPr>
+          <p:cNvCxnSpPr/>
+          <p:nvPr/>
+        </p:nvCxnSpPr>
+        <p:spPr>
+          <a:xfrm>
+            <a:off x="11453448" y="363415"/>
+            <a:ext cx="375138" cy="0"/>
+          </a:xfrm>
+          <a:prstGeom prst="line">
+            <a:avLst/>
+          </a:prstGeom>
+          <a:ln>
+            <a:solidFill>
+              <a:schemeClr val="bg1"/>
+            </a:solidFill>
+          </a:ln>
+        </p:spPr>
+        <p:style>
+          <a:lnRef idx="1">
+            <a:schemeClr val="accent1"/>
+          </a:lnRef>
+          <a:fillRef idx="0">
+            <a:schemeClr val="accent1"/>
+          </a:fillRef>
+          <a:effectRef idx="0">
+            <a:schemeClr val="accent1"/>
+          </a:effectRef>
+          <a:fontRef idx="minor">
+            <a:schemeClr val="tx1"/>
+          </a:fontRef>
+        </p:style>
+      </p:cxnSp>
+      <p:cxnSp>
+        <p:nvCxnSpPr>
+          <p:cNvPr id="6" name="직선 연결선 5">
+            <a:extLst>
+              <a:ext uri="{FF2B5EF4-FFF2-40B4-BE49-F238E27FC236}">
+                <a16:creationId xmlns:a16="http://schemas.microsoft.com/office/drawing/2014/main" id="{9485E8F1-64C0-4341-AF3D-167EE1DAD0F4}"/>
+              </a:ext>
+            </a:extLst>
+          </p:cNvPr>
+          <p:cNvCxnSpPr>
+            <a:cxnSpLocks/>
+          </p:cNvCxnSpPr>
+          <p:nvPr/>
+        </p:nvCxnSpPr>
+        <p:spPr>
+          <a:xfrm>
+            <a:off x="11453448" y="480646"/>
+            <a:ext cx="375138" cy="0"/>
+          </a:xfrm>
+          <a:prstGeom prst="line">
+            <a:avLst/>
+          </a:prstGeom>
+          <a:ln>
+            <a:solidFill>
+              <a:schemeClr val="bg1"/>
+            </a:solidFill>
+          </a:ln>
+        </p:spPr>
+        <p:style>
+          <a:lnRef idx="1">
+            <a:schemeClr val="accent1"/>
+          </a:lnRef>
+          <a:fillRef idx="0">
+            <a:schemeClr val="accent1"/>
+          </a:fillRef>
+          <a:effectRef idx="0">
+            <a:schemeClr val="accent1"/>
+          </a:effectRef>
+          <a:fontRef idx="minor">
+            <a:schemeClr val="tx1"/>
+          </a:fontRef>
+        </p:style>
+      </p:cxnSp>
+      <p:cxnSp>
+        <p:nvCxnSpPr>
+          <p:cNvPr id="7" name="직선 연결선 6">
+            <a:extLst>
+              <a:ext uri="{FF2B5EF4-FFF2-40B4-BE49-F238E27FC236}">
+                <a16:creationId xmlns:a16="http://schemas.microsoft.com/office/drawing/2014/main" id="{ECD8B74B-8EEE-4FF9-8E34-103357323026}"/>
+              </a:ext>
+            </a:extLst>
+          </p:cNvPr>
+          <p:cNvCxnSpPr>
+            <a:cxnSpLocks/>
+          </p:cNvCxnSpPr>
+          <p:nvPr/>
+        </p:nvCxnSpPr>
+        <p:spPr>
+          <a:xfrm>
+            <a:off x="11453448" y="597877"/>
+            <a:ext cx="375138" cy="0"/>
+          </a:xfrm>
+          <a:prstGeom prst="line">
+            <a:avLst/>
+          </a:prstGeom>
+          <a:ln>
+            <a:solidFill>
+              <a:schemeClr val="bg1"/>
+            </a:solidFill>
+          </a:ln>
+        </p:spPr>
+        <p:style>
+          <a:lnRef idx="1">
+            <a:schemeClr val="accent1"/>
+          </a:lnRef>
+          <a:fillRef idx="0">
+            <a:schemeClr val="accent1"/>
+          </a:fillRef>
+          <a:effectRef idx="0">
+            <a:schemeClr val="accent1"/>
+          </a:effectRef>
+          <a:fontRef idx="minor">
+            <a:schemeClr val="tx1"/>
+          </a:fontRef>
+        </p:style>
+      </p:cxnSp>
     </p:spTree>
     <p:extLst>
       <p:ext uri="{BB962C8B-B14F-4D97-AF65-F5344CB8AC3E}">
